--- a/Beat Take Home Assignment Kashika Jain.pptx
+++ b/Beat Take Home Assignment Kashika Jain.pptx
@@ -119,6 +119,11 @@
       </a:defRPr>
     </a:lvl9pPr>
   </p:defaultTextStyle>
+  <p:extLst>
+    <p:ext uri="{EFAFB233-063F-42B5-8137-9DF3F51BA10A}">
+      <p15:sldGuideLst xmlns:p15="http://schemas.microsoft.com/office/powerpoint/2012/main"/>
+    </p:ext>
+  </p:extLst>
 </p:presentation>
 </file>
 
@@ -253,7 +258,7 @@
           <a:p>
             <a:fld id="{359FBA01-AAB4-4D32-8668-6F362FCE7109}" type="datetimeFigureOut">
               <a:rPr lang="en-US" smtClean="0"/>
-              <a:t>8/25/2021</a:t>
+              <a:t>9/7/2021</a:t>
             </a:fld>
             <a:endParaRPr lang="en-US"/>
           </a:p>
@@ -423,7 +428,7 @@
           <a:p>
             <a:fld id="{359FBA01-AAB4-4D32-8668-6F362FCE7109}" type="datetimeFigureOut">
               <a:rPr lang="en-US" smtClean="0"/>
-              <a:t>8/25/2021</a:t>
+              <a:t>9/7/2021</a:t>
             </a:fld>
             <a:endParaRPr lang="en-US"/>
           </a:p>
@@ -603,7 +608,7 @@
           <a:p>
             <a:fld id="{359FBA01-AAB4-4D32-8668-6F362FCE7109}" type="datetimeFigureOut">
               <a:rPr lang="en-US" smtClean="0"/>
-              <a:t>8/25/2021</a:t>
+              <a:t>9/7/2021</a:t>
             </a:fld>
             <a:endParaRPr lang="en-US"/>
           </a:p>
@@ -773,7 +778,7 @@
           <a:p>
             <a:fld id="{359FBA01-AAB4-4D32-8668-6F362FCE7109}" type="datetimeFigureOut">
               <a:rPr lang="en-US" smtClean="0"/>
-              <a:t>8/25/2021</a:t>
+              <a:t>9/7/2021</a:t>
             </a:fld>
             <a:endParaRPr lang="en-US"/>
           </a:p>
@@ -1019,7 +1024,7 @@
           <a:p>
             <a:fld id="{359FBA01-AAB4-4D32-8668-6F362FCE7109}" type="datetimeFigureOut">
               <a:rPr lang="en-US" smtClean="0"/>
-              <a:t>8/25/2021</a:t>
+              <a:t>9/7/2021</a:t>
             </a:fld>
             <a:endParaRPr lang="en-US"/>
           </a:p>
@@ -1251,7 +1256,7 @@
           <a:p>
             <a:fld id="{359FBA01-AAB4-4D32-8668-6F362FCE7109}" type="datetimeFigureOut">
               <a:rPr lang="en-US" smtClean="0"/>
-              <a:t>8/25/2021</a:t>
+              <a:t>9/7/2021</a:t>
             </a:fld>
             <a:endParaRPr lang="en-US"/>
           </a:p>
@@ -1618,7 +1623,7 @@
           <a:p>
             <a:fld id="{359FBA01-AAB4-4D32-8668-6F362FCE7109}" type="datetimeFigureOut">
               <a:rPr lang="en-US" smtClean="0"/>
-              <a:t>8/25/2021</a:t>
+              <a:t>9/7/2021</a:t>
             </a:fld>
             <a:endParaRPr lang="en-US"/>
           </a:p>
@@ -1736,7 +1741,7 @@
           <a:p>
             <a:fld id="{359FBA01-AAB4-4D32-8668-6F362FCE7109}" type="datetimeFigureOut">
               <a:rPr lang="en-US" smtClean="0"/>
-              <a:t>8/25/2021</a:t>
+              <a:t>9/7/2021</a:t>
             </a:fld>
             <a:endParaRPr lang="en-US"/>
           </a:p>
@@ -1831,7 +1836,7 @@
           <a:p>
             <a:fld id="{359FBA01-AAB4-4D32-8668-6F362FCE7109}" type="datetimeFigureOut">
               <a:rPr lang="en-US" smtClean="0"/>
-              <a:t>8/25/2021</a:t>
+              <a:t>9/7/2021</a:t>
             </a:fld>
             <a:endParaRPr lang="en-US"/>
           </a:p>
@@ -2108,7 +2113,7 @@
           <a:p>
             <a:fld id="{359FBA01-AAB4-4D32-8668-6F362FCE7109}" type="datetimeFigureOut">
               <a:rPr lang="en-US" smtClean="0"/>
-              <a:t>8/25/2021</a:t>
+              <a:t>9/7/2021</a:t>
             </a:fld>
             <a:endParaRPr lang="en-US"/>
           </a:p>
@@ -2365,7 +2370,7 @@
           <a:p>
             <a:fld id="{359FBA01-AAB4-4D32-8668-6F362FCE7109}" type="datetimeFigureOut">
               <a:rPr lang="en-US" smtClean="0"/>
-              <a:t>8/25/2021</a:t>
+              <a:t>9/7/2021</a:t>
             </a:fld>
             <a:endParaRPr lang="en-US"/>
           </a:p>
@@ -2578,7 +2583,7 @@
           <a:p>
             <a:fld id="{359FBA01-AAB4-4D32-8668-6F362FCE7109}" type="datetimeFigureOut">
               <a:rPr lang="en-US" smtClean="0"/>
-              <a:t>8/25/2021</a:t>
+              <a:t>9/7/2021</a:t>
             </a:fld>
             <a:endParaRPr lang="en-US"/>
           </a:p>
@@ -6451,7 +6456,7 @@
         </p:blipFill>
         <p:spPr>
           <a:xfrm>
-            <a:off x="429208" y="1880331"/>
+            <a:off x="320151" y="2324948"/>
             <a:ext cx="11548521" cy="4063214"/>
           </a:xfrm>
           <a:prstGeom prst="rect">
@@ -6966,10 +6971,10 @@
       </p:sp>
       <p:pic>
         <p:nvPicPr>
-          <p:cNvPr id="12" name="Picture 11" descr="Chart, bar chart&#10;&#10;Description automatically generated">
+          <p:cNvPr id="4" name="Picture 3">
             <a:extLst>
               <a:ext uri="{FF2B5EF4-FFF2-40B4-BE49-F238E27FC236}">
-                <a16:creationId xmlns:a16="http://schemas.microsoft.com/office/drawing/2014/main" id="{9CC68471-83B0-484B-9F66-FF75667FF915}"/>
+                <a16:creationId xmlns:a16="http://schemas.microsoft.com/office/drawing/2014/main" id="{2670222E-615E-4460-9F39-9B7FDA6C4B49}"/>
               </a:ext>
             </a:extLst>
           </p:cNvPr>
@@ -6986,8 +6991,8 @@
         </p:blipFill>
         <p:spPr>
           <a:xfrm>
-            <a:off x="461059" y="2037999"/>
-            <a:ext cx="11265284" cy="4364199"/>
+            <a:off x="285483" y="2020571"/>
+            <a:ext cx="11643662" cy="4622577"/>
           </a:xfrm>
           <a:prstGeom prst="rect">
             <a:avLst/>
